--- a/02. Problem Solving/서울 데이트 코스 추천 Problem Solving.pptx
+++ b/02. Problem Solving/서울 데이트 코스 추천 Problem Solving.pptx
@@ -3837,8 +3837,8 @@
         </p:nvSpPr>
         <p:spPr>
           <a:xfrm>
-            <a:off x="3111004" y="1767114"/>
-            <a:ext cx="3054210" cy="338554"/>
+            <a:off x="2959259" y="1876758"/>
+            <a:ext cx="3393414" cy="338554"/>
           </a:xfrm>
           <a:prstGeom prst="rect">
             <a:avLst/>
@@ -20444,34 +20444,14 @@
           <a:p>
             <a:pPr algn="ctr"/>
             <a:r>
-              <a:rPr lang="ko-KR" altLang="en-US" sz="800" dirty="0">
+              <a:rPr lang="ko-KR" altLang="en-US" sz="800" dirty="0" err="1">
                 <a:solidFill>
                   <a:schemeClr val="tx1"/>
                 </a:solidFill>
                 <a:latin typeface="나눔스퀘어라운드 Light" panose="020B0600000101010101" pitchFamily="50" charset="-127"/>
                 <a:ea typeface="나눔스퀘어라운드 Light" panose="020B0600000101010101" pitchFamily="50" charset="-127"/>
               </a:rPr>
-              <a:t>도자기</a:t>
-            </a:r>
-            <a:endParaRPr lang="en-US" altLang="ko-KR" sz="800" dirty="0">
-              <a:solidFill>
-                <a:schemeClr val="tx1"/>
-              </a:solidFill>
-              <a:latin typeface="나눔스퀘어라운드 Light" panose="020B0600000101010101" pitchFamily="50" charset="-127"/>
-              <a:ea typeface="나눔스퀘어라운드 Light" panose="020B0600000101010101" pitchFamily="50" charset="-127"/>
-            </a:endParaRPr>
-          </a:p>
-          <a:p>
-            <a:pPr algn="ctr"/>
-            <a:r>
-              <a:rPr lang="ko-KR" altLang="en-US" sz="800" dirty="0">
-                <a:solidFill>
-                  <a:schemeClr val="tx1"/>
-                </a:solidFill>
-                <a:latin typeface="나눔스퀘어라운드 Light" panose="020B0600000101010101" pitchFamily="50" charset="-127"/>
-                <a:ea typeface="나눔스퀘어라운드 Light" panose="020B0600000101010101" pitchFamily="50" charset="-127"/>
-              </a:rPr>
-              <a:t>카페</a:t>
+              <a:t>방탈출</a:t>
             </a:r>
             <a:endParaRPr lang="en-US" altLang="ko-KR" sz="800" dirty="0">
               <a:solidFill>
@@ -23756,34 +23736,14 @@
           <a:p>
             <a:pPr algn="ctr"/>
             <a:r>
-              <a:rPr lang="ko-KR" altLang="en-US" sz="800" dirty="0">
+              <a:rPr lang="ko-KR" altLang="en-US" sz="800" dirty="0" err="1">
                 <a:solidFill>
                   <a:schemeClr val="tx1"/>
                 </a:solidFill>
                 <a:latin typeface="나눔스퀘어라운드 Light" panose="020B0600000101010101" pitchFamily="50" charset="-127"/>
                 <a:ea typeface="나눔스퀘어라운드 Light" panose="020B0600000101010101" pitchFamily="50" charset="-127"/>
               </a:rPr>
-              <a:t>도자기</a:t>
-            </a:r>
-            <a:endParaRPr lang="en-US" altLang="ko-KR" sz="800" dirty="0">
-              <a:solidFill>
-                <a:schemeClr val="tx1"/>
-              </a:solidFill>
-              <a:latin typeface="나눔스퀘어라운드 Light" panose="020B0600000101010101" pitchFamily="50" charset="-127"/>
-              <a:ea typeface="나눔스퀘어라운드 Light" panose="020B0600000101010101" pitchFamily="50" charset="-127"/>
-            </a:endParaRPr>
-          </a:p>
-          <a:p>
-            <a:pPr algn="ctr"/>
-            <a:r>
-              <a:rPr lang="ko-KR" altLang="en-US" sz="800" dirty="0">
-                <a:solidFill>
-                  <a:schemeClr val="tx1"/>
-                </a:solidFill>
-                <a:latin typeface="나눔스퀘어라운드 Light" panose="020B0600000101010101" pitchFamily="50" charset="-127"/>
-                <a:ea typeface="나눔스퀘어라운드 Light" panose="020B0600000101010101" pitchFamily="50" charset="-127"/>
-              </a:rPr>
-              <a:t>카페</a:t>
+              <a:t>방탈출</a:t>
             </a:r>
             <a:endParaRPr lang="en-US" altLang="ko-KR" sz="800" dirty="0">
               <a:solidFill>
@@ -28188,8 +28148,8 @@
           </p:nvSpPr>
           <p:spPr>
             <a:xfrm>
-              <a:off x="2603728" y="3664654"/>
-              <a:ext cx="4320480" cy="338554"/>
+              <a:off x="2483768" y="3664654"/>
+              <a:ext cx="4848592" cy="338554"/>
             </a:xfrm>
             <a:prstGeom prst="rect">
               <a:avLst/>
@@ -28822,9 +28782,9 @@
         <p:grpSpPr>
           <a:xfrm>
             <a:off x="2555776" y="2088573"/>
-            <a:ext cx="6495843" cy="785411"/>
+            <a:ext cx="6495843" cy="770022"/>
             <a:chOff x="2583863" y="2279362"/>
-            <a:chExt cx="6495843" cy="785411"/>
+            <a:chExt cx="6495843" cy="770022"/>
           </a:xfrm>
         </p:grpSpPr>
         <p:sp>
@@ -28842,7 +28802,7 @@
           <p:spPr>
             <a:xfrm>
               <a:off x="2583863" y="2787774"/>
-              <a:ext cx="6495843" cy="276999"/>
+              <a:ext cx="6495843" cy="261610"/>
             </a:xfrm>
             <a:prstGeom prst="rect">
               <a:avLst/>
@@ -28880,49 +28840,49 @@
             </a:lstStyle>
             <a:p>
               <a:r>
-                <a:rPr lang="en-US" altLang="ko-KR" sz="1200" dirty="0">
+                <a:rPr lang="en-US" altLang="ko-KR" sz="1100" dirty="0">
                   <a:latin typeface="나눔스퀘어" panose="020B0600000101010101" pitchFamily="50" charset="-127"/>
                   <a:ea typeface="나눔스퀘어" panose="020B0600000101010101" pitchFamily="50" charset="-127"/>
                 </a:rPr>
                 <a:t>: </a:t>
               </a:r>
               <a:r>
-                <a:rPr lang="ko-KR" altLang="en-US" sz="1200" dirty="0">
+                <a:rPr lang="ko-KR" altLang="en-US" sz="1100" dirty="0">
                   <a:latin typeface="나눔스퀘어" panose="020B0600000101010101" pitchFamily="50" charset="-127"/>
                   <a:ea typeface="나눔스퀘어" panose="020B0600000101010101" pitchFamily="50" charset="-127"/>
                 </a:rPr>
                 <a:t>유동인구와 날씨</a:t>
               </a:r>
               <a:r>
-                <a:rPr lang="en-US" altLang="ko-KR" sz="1200" dirty="0">
+                <a:rPr lang="en-US" altLang="ko-KR" sz="1100" dirty="0">
                   <a:latin typeface="나눔스퀘어" panose="020B0600000101010101" pitchFamily="50" charset="-127"/>
                   <a:ea typeface="나눔스퀘어" panose="020B0600000101010101" pitchFamily="50" charset="-127"/>
                 </a:rPr>
                 <a:t>(</a:t>
               </a:r>
               <a:r>
-                <a:rPr lang="ko-KR" altLang="en-US" sz="1200" dirty="0">
+                <a:rPr lang="ko-KR" altLang="en-US" sz="1100" dirty="0">
                   <a:latin typeface="나눔스퀘어" panose="020B0600000101010101" pitchFamily="50" charset="-127"/>
                   <a:ea typeface="나눔스퀘어" panose="020B0600000101010101" pitchFamily="50" charset="-127"/>
                 </a:rPr>
                 <a:t>미세먼지</a:t>
               </a:r>
               <a:r>
-                <a:rPr lang="en-US" altLang="ko-KR" sz="1200" dirty="0">
+                <a:rPr lang="en-US" altLang="ko-KR" sz="1100" dirty="0">
                   <a:latin typeface="나눔스퀘어" panose="020B0600000101010101" pitchFamily="50" charset="-127"/>
                   <a:ea typeface="나눔스퀘어" panose="020B0600000101010101" pitchFamily="50" charset="-127"/>
                 </a:rPr>
                 <a:t>) </a:t>
               </a:r>
               <a:r>
-                <a:rPr lang="ko-KR" altLang="en-US" sz="1200" dirty="0">
+                <a:rPr lang="ko-KR" altLang="en-US" sz="1100" dirty="0">
                   <a:latin typeface="나눔스퀘어" panose="020B0600000101010101" pitchFamily="50" charset="-127"/>
                   <a:ea typeface="나눔스퀘어" panose="020B0600000101010101" pitchFamily="50" charset="-127"/>
                 </a:rPr>
                 <a:t>그리고 원하는 데이트 종류를 고려한 </a:t>
               </a:r>
               <a:r>
-                <a:rPr lang="en-US" altLang="ko-KR" sz="1200" dirty="0">
+                <a:rPr lang="en-US" altLang="ko-KR" sz="1100" dirty="0">
                   <a:solidFill>
                     <a:srgbClr val="FF6969"/>
                   </a:solidFill>
@@ -28932,7 +28892,7 @@
                 <a:t>SMART</a:t>
               </a:r>
               <a:r>
-                <a:rPr lang="ko-KR" altLang="en-US" sz="1200" dirty="0">
+                <a:rPr lang="ko-KR" altLang="en-US" sz="1100" dirty="0">
                   <a:solidFill>
                     <a:srgbClr val="FF6969"/>
                   </a:solidFill>
@@ -28941,7 +28901,7 @@
                 </a:rPr>
                 <a:t>한 데이트 코스 추천</a:t>
               </a:r>
-              <a:endParaRPr lang="en-US" altLang="ko-KR" sz="1200" dirty="0">
+              <a:endParaRPr lang="en-US" altLang="ko-KR" sz="1100" dirty="0">
                 <a:solidFill>
                   <a:srgbClr val="FF6969"/>
                 </a:solidFill>
